--- a/Linear Algebra(李宏毅,2018,Fall)/2 System of Linear Equations.pptx
+++ b/Linear Algebra(李宏毅,2018,Fall)/2 System of Linear Equations.pptx
@@ -205,7 +205,7 @@
           <a:p>
             <a:fld id="{A1460D96-3421-4C64-B53D-9458535593F7}" type="datetimeFigureOut">
               <a:rPr lang="zh-TW" altLang="en-US" smtClean="0"/>
-              <a:t>2019/6/8</a:t>
+              <a:t>2019/7/15</a:t>
             </a:fld>
             <a:endParaRPr lang="zh-TW" altLang="en-US"/>
           </a:p>
@@ -929,15 +929,174 @@
           <a:lstStyle/>
           <a:p>
             <a:r>
-              <a:rPr lang="en-US" altLang="zh-TW" dirty="0"/>
-              <a:t>Co-domain</a:t>
+              <a:rPr lang="en-US" altLang="zh-CN" sz="1200" b="0" i="0" kern="1200" dirty="0">
+                <a:solidFill>
+                  <a:schemeClr val="tx1"/>
+                </a:solidFill>
+                <a:effectLst/>
+                <a:latin typeface="+mn-lt"/>
+                <a:ea typeface="+mn-ea"/>
+                <a:cs typeface="+mn-cs"/>
+              </a:rPr>
+              <a:t>The Co-domain is actually </a:t>
+            </a:r>
+            <a:r>
+              <a:rPr lang="en-US" altLang="zh-CN" sz="1200" b="1" i="0" kern="1200" dirty="0">
+                <a:solidFill>
+                  <a:schemeClr val="tx1"/>
+                </a:solidFill>
+                <a:effectLst/>
+                <a:latin typeface="+mn-lt"/>
+                <a:ea typeface="+mn-ea"/>
+                <a:cs typeface="+mn-cs"/>
+              </a:rPr>
+              <a:t>part of the definition</a:t>
+            </a:r>
+            <a:r>
+              <a:rPr lang="en-US" altLang="zh-CN" sz="1200" b="0" i="0" kern="1200" dirty="0">
+                <a:solidFill>
+                  <a:schemeClr val="tx1"/>
+                </a:solidFill>
+                <a:effectLst/>
+                <a:latin typeface="+mn-lt"/>
+                <a:ea typeface="+mn-ea"/>
+                <a:cs typeface="+mn-cs"/>
+              </a:rPr>
+              <a:t> of the function. And The Range is the set of values that </a:t>
+            </a:r>
+            <a:r>
+              <a:rPr lang="en-US" altLang="zh-CN" sz="1200" b="1" i="0" kern="1200" dirty="0">
+                <a:solidFill>
+                  <a:schemeClr val="tx1"/>
+                </a:solidFill>
+                <a:effectLst/>
+                <a:latin typeface="+mn-lt"/>
+                <a:ea typeface="+mn-ea"/>
+                <a:cs typeface="+mn-cs"/>
+              </a:rPr>
+              <a:t>actually do</a:t>
+            </a:r>
+            <a:r>
+              <a:rPr lang="en-US" altLang="zh-CN" sz="1200" b="0" i="0" kern="1200" dirty="0">
+                <a:solidFill>
+                  <a:schemeClr val="tx1"/>
+                </a:solidFill>
+                <a:effectLst/>
+                <a:latin typeface="+mn-lt"/>
+                <a:ea typeface="+mn-ea"/>
+                <a:cs typeface="+mn-cs"/>
+              </a:rPr>
+              <a:t> come out.</a:t>
             </a:r>
           </a:p>
           <a:p>
             <a:r>
-              <a:rPr lang="en-US" altLang="zh-TW" dirty="0"/>
-              <a:t>Range </a:t>
+              <a:rPr lang="en-US" altLang="zh-CN" sz="1200" b="0" i="0" kern="1200" dirty="0">
+                <a:solidFill>
+                  <a:schemeClr val="tx1"/>
+                </a:solidFill>
+                <a:effectLst/>
+                <a:latin typeface="+mn-lt"/>
+                <a:ea typeface="+mn-ea"/>
+                <a:cs typeface="+mn-cs"/>
+              </a:rPr>
+              <a:t>Example: </a:t>
             </a:r>
+          </a:p>
+          <a:p>
+            <a:pPr lvl="1"/>
+            <a:r>
+              <a:rPr lang="en-US" altLang="zh-CN" sz="1200" b="0" i="0" kern="1200" dirty="0">
+                <a:solidFill>
+                  <a:schemeClr val="tx1"/>
+                </a:solidFill>
+                <a:effectLst/>
+                <a:latin typeface="+mn-lt"/>
+                <a:ea typeface="+mn-ea"/>
+                <a:cs typeface="+mn-cs"/>
+              </a:rPr>
+              <a:t>we can define a function </a:t>
+            </a:r>
+            <a:r>
+              <a:rPr lang="en-US" altLang="zh-CN" sz="1200" b="1" i="1" kern="1200" dirty="0">
+                <a:solidFill>
+                  <a:schemeClr val="tx1"/>
+                </a:solidFill>
+                <a:effectLst/>
+                <a:latin typeface="+mn-lt"/>
+                <a:ea typeface="+mn-ea"/>
+                <a:cs typeface="+mn-cs"/>
+              </a:rPr>
+              <a:t>f(x)=2x</a:t>
+            </a:r>
+            <a:r>
+              <a:rPr lang="en-US" altLang="zh-CN" sz="1200" b="0" i="0" kern="1200" dirty="0">
+                <a:solidFill>
+                  <a:schemeClr val="tx1"/>
+                </a:solidFill>
+                <a:effectLst/>
+                <a:latin typeface="+mn-lt"/>
+                <a:ea typeface="+mn-ea"/>
+                <a:cs typeface="+mn-cs"/>
+              </a:rPr>
+              <a:t> with a domain and codomain of integers (because we say so).</a:t>
+            </a:r>
+          </a:p>
+          <a:p>
+            <a:pPr lvl="1"/>
+            <a:r>
+              <a:rPr lang="en-US" altLang="zh-CN" sz="1200" b="0" i="0" kern="1200" dirty="0">
+                <a:solidFill>
+                  <a:schemeClr val="tx1"/>
+                </a:solidFill>
+                <a:effectLst/>
+                <a:latin typeface="+mn-lt"/>
+                <a:ea typeface="+mn-ea"/>
+                <a:cs typeface="+mn-cs"/>
+              </a:rPr>
+              <a:t>But by thinking about it we can see that the range (actual output values) is just the </a:t>
+            </a:r>
+            <a:r>
+              <a:rPr lang="en-US" altLang="zh-CN" sz="1200" b="1" i="0" kern="1200" dirty="0">
+                <a:solidFill>
+                  <a:schemeClr val="tx1"/>
+                </a:solidFill>
+                <a:effectLst/>
+                <a:latin typeface="+mn-lt"/>
+                <a:ea typeface="+mn-ea"/>
+                <a:cs typeface="+mn-cs"/>
+              </a:rPr>
+              <a:t>even </a:t>
+            </a:r>
+            <a:r>
+              <a:rPr lang="en-US" altLang="zh-CN" sz="1200" b="0" i="0" kern="1200" dirty="0">
+                <a:solidFill>
+                  <a:schemeClr val="tx1"/>
+                </a:solidFill>
+                <a:effectLst/>
+                <a:latin typeface="+mn-lt"/>
+                <a:ea typeface="+mn-ea"/>
+                <a:cs typeface="+mn-cs"/>
+              </a:rPr>
+              <a:t>integers.</a:t>
+            </a:r>
+          </a:p>
+          <a:p>
+            <a:pPr lvl="1"/>
+            <a:r>
+              <a:rPr lang="en-US" altLang="zh-CN" sz="1200" b="0" i="0" kern="1200" dirty="0">
+                <a:solidFill>
+                  <a:schemeClr val="tx1"/>
+                </a:solidFill>
+                <a:effectLst/>
+                <a:latin typeface="+mn-lt"/>
+                <a:ea typeface="+mn-ea"/>
+                <a:cs typeface="+mn-cs"/>
+              </a:rPr>
+              <a:t>So the codomain is integers (we defined it that way), but the range is even integers.</a:t>
+            </a:r>
+          </a:p>
+          <a:p>
             <a:endParaRPr lang="zh-TW" altLang="en-US" dirty="0"/>
           </a:p>
         </p:txBody>
@@ -1024,6 +1183,116 @@
           <a:p>
             <a:r>
               <a:rPr lang="zh-CN" altLang="en-US" dirty="0"/>
+              <a:t>都是线性的</a:t>
+            </a:r>
+          </a:p>
+        </p:txBody>
+      </p:sp>
+      <p:sp>
+        <p:nvSpPr>
+          <p:cNvPr id="4" name="灯片编号占位符 3"/>
+          <p:cNvSpPr>
+            <a:spLocks noGrp="1"/>
+          </p:cNvSpPr>
+          <p:nvPr>
+            <p:ph type="sldNum" sz="quarter" idx="5"/>
+          </p:nvPr>
+        </p:nvSpPr>
+        <p:spPr/>
+        <p:txBody>
+          <a:bodyPr/>
+          <a:lstStyle/>
+          <a:p>
+            <a:fld id="{31EB6D90-10E6-4D93-BC0D-4D3BFEAA5F7B}" type="slidenum">
+              <a:rPr lang="zh-TW" altLang="en-US" smtClean="0"/>
+              <a:t>7</a:t>
+            </a:fld>
+            <a:endParaRPr lang="zh-TW" altLang="en-US"/>
+          </a:p>
+        </p:txBody>
+      </p:sp>
+    </p:spTree>
+    <p:extLst>
+      <p:ext uri="{BB962C8B-B14F-4D97-AF65-F5344CB8AC3E}">
+        <p14:creationId xmlns:p14="http://schemas.microsoft.com/office/powerpoint/2010/main" val="1301683528"/>
+      </p:ext>
+    </p:extLst>
+  </p:cSld>
+  <p:clrMapOvr>
+    <a:masterClrMapping/>
+  </p:clrMapOvr>
+</p:notes>
+</file>
+
+<file path=ppt/notesSlides/notesSlide6.xml><?xml version="1.0" encoding="utf-8"?>
+<p:notes xmlns:a="http://schemas.openxmlformats.org/drawingml/2006/main" xmlns:r="http://schemas.openxmlformats.org/officeDocument/2006/relationships" xmlns:p="http://schemas.openxmlformats.org/presentationml/2006/main">
+  <p:cSld>
+    <p:spTree>
+      <p:nvGrpSpPr>
+        <p:cNvPr id="1" name=""/>
+        <p:cNvGrpSpPr/>
+        <p:nvPr/>
+      </p:nvGrpSpPr>
+      <p:grpSpPr>
+        <a:xfrm>
+          <a:off x="0" y="0"/>
+          <a:ext cx="0" cy="0"/>
+          <a:chOff x="0" y="0"/>
+          <a:chExt cx="0" cy="0"/>
+        </a:xfrm>
+      </p:grpSpPr>
+      <p:sp>
+        <p:nvSpPr>
+          <p:cNvPr id="2" name="幻灯片图像占位符 1"/>
+          <p:cNvSpPr>
+            <a:spLocks noGrp="1" noRot="1" noChangeAspect="1"/>
+          </p:cNvSpPr>
+          <p:nvPr>
+            <p:ph type="sldImg"/>
+          </p:nvPr>
+        </p:nvSpPr>
+        <p:spPr/>
+      </p:sp>
+      <p:sp>
+        <p:nvSpPr>
+          <p:cNvPr id="3" name="备注占位符 2"/>
+          <p:cNvSpPr>
+            <a:spLocks noGrp="1"/>
+          </p:cNvSpPr>
+          <p:nvPr>
+            <p:ph type="body" idx="1"/>
+          </p:nvPr>
+        </p:nvSpPr>
+        <p:spPr/>
+        <p:txBody>
+          <a:bodyPr/>
+          <a:lstStyle/>
+          <a:p>
+            <a:r>
+              <a:rPr lang="zh-CN" altLang="en-US" dirty="0"/>
+              <a:t>方程的系数是一个</a:t>
+            </a:r>
+            <a:r>
+              <a:rPr lang="en-US" altLang="zh-CN" dirty="0"/>
+              <a:t>linear system/</a:t>
+            </a:r>
+            <a:r>
+              <a:rPr lang="zh-CN" altLang="en-US" dirty="0"/>
+              <a:t>矩阵</a:t>
+            </a:r>
+            <a:r>
+              <a:rPr lang="en-US" altLang="zh-CN" dirty="0"/>
+              <a:t>/function</a:t>
+            </a:r>
+            <a:r>
+              <a:rPr lang="zh-CN" altLang="en-US" dirty="0"/>
+              <a:t>：</a:t>
+            </a:r>
+            <a:endParaRPr lang="en-US" altLang="zh-CN" dirty="0"/>
+          </a:p>
+          <a:p>
+            <a:r>
+              <a:rPr lang="zh-CN" altLang="en-US" dirty="0"/>
               <a:t>输入是一个</a:t>
             </a:r>
             <a:r>
@@ -1104,7 +1373,7 @@
 </p:notes>
 </file>
 
-<file path=ppt/notesSlides/notesSlide6.xml><?xml version="1.0" encoding="utf-8"?>
+<file path=ppt/notesSlides/notesSlide7.xml><?xml version="1.0" encoding="utf-8"?>
 <p:notes xmlns:a="http://schemas.openxmlformats.org/drawingml/2006/main" xmlns:r="http://schemas.openxmlformats.org/officeDocument/2006/relationships" xmlns:p="http://schemas.openxmlformats.org/presentationml/2006/main">
   <p:cSld>
     <p:spTree>
@@ -1360,7 +1629,7 @@
           <a:p>
             <a:fld id="{F102ED1F-2097-4DF5-9932-BD25E51F55A3}" type="datetimeFigureOut">
               <a:rPr lang="zh-TW" altLang="en-US" smtClean="0"/>
-              <a:t>2019/6/8</a:t>
+              <a:t>2019/7/15</a:t>
             </a:fld>
             <a:endParaRPr lang="zh-TW" altLang="en-US"/>
           </a:p>
@@ -1530,7 +1799,7 @@
           <a:p>
             <a:fld id="{F102ED1F-2097-4DF5-9932-BD25E51F55A3}" type="datetimeFigureOut">
               <a:rPr lang="zh-TW" altLang="en-US" smtClean="0"/>
-              <a:t>2019/6/8</a:t>
+              <a:t>2019/7/15</a:t>
             </a:fld>
             <a:endParaRPr lang="zh-TW" altLang="en-US"/>
           </a:p>
@@ -1710,7 +1979,7 @@
           <a:p>
             <a:fld id="{F102ED1F-2097-4DF5-9932-BD25E51F55A3}" type="datetimeFigureOut">
               <a:rPr lang="zh-TW" altLang="en-US" smtClean="0"/>
-              <a:t>2019/6/8</a:t>
+              <a:t>2019/7/15</a:t>
             </a:fld>
             <a:endParaRPr lang="zh-TW" altLang="en-US"/>
           </a:p>
@@ -1880,7 +2149,7 @@
           <a:p>
             <a:fld id="{F102ED1F-2097-4DF5-9932-BD25E51F55A3}" type="datetimeFigureOut">
               <a:rPr lang="zh-TW" altLang="en-US" smtClean="0"/>
-              <a:t>2019/6/8</a:t>
+              <a:t>2019/7/15</a:t>
             </a:fld>
             <a:endParaRPr lang="zh-TW" altLang="en-US"/>
           </a:p>
@@ -2124,7 +2393,7 @@
           <a:p>
             <a:fld id="{F102ED1F-2097-4DF5-9932-BD25E51F55A3}" type="datetimeFigureOut">
               <a:rPr lang="zh-TW" altLang="en-US" smtClean="0"/>
-              <a:t>2019/6/8</a:t>
+              <a:t>2019/7/15</a:t>
             </a:fld>
             <a:endParaRPr lang="zh-TW" altLang="en-US"/>
           </a:p>
@@ -2356,7 +2625,7 @@
           <a:p>
             <a:fld id="{F102ED1F-2097-4DF5-9932-BD25E51F55A3}" type="datetimeFigureOut">
               <a:rPr lang="zh-TW" altLang="en-US" smtClean="0"/>
-              <a:t>2019/6/8</a:t>
+              <a:t>2019/7/15</a:t>
             </a:fld>
             <a:endParaRPr lang="zh-TW" altLang="en-US"/>
           </a:p>
@@ -2723,7 +2992,7 @@
           <a:p>
             <a:fld id="{F102ED1F-2097-4DF5-9932-BD25E51F55A3}" type="datetimeFigureOut">
               <a:rPr lang="zh-TW" altLang="en-US" smtClean="0"/>
-              <a:t>2019/6/8</a:t>
+              <a:t>2019/7/15</a:t>
             </a:fld>
             <a:endParaRPr lang="zh-TW" altLang="en-US"/>
           </a:p>
@@ -2841,7 +3110,7 @@
           <a:p>
             <a:fld id="{F102ED1F-2097-4DF5-9932-BD25E51F55A3}" type="datetimeFigureOut">
               <a:rPr lang="zh-TW" altLang="en-US" smtClean="0"/>
-              <a:t>2019/6/8</a:t>
+              <a:t>2019/7/15</a:t>
             </a:fld>
             <a:endParaRPr lang="zh-TW" altLang="en-US"/>
           </a:p>
@@ -2936,7 +3205,7 @@
           <a:p>
             <a:fld id="{F102ED1F-2097-4DF5-9932-BD25E51F55A3}" type="datetimeFigureOut">
               <a:rPr lang="zh-TW" altLang="en-US" smtClean="0"/>
-              <a:t>2019/6/8</a:t>
+              <a:t>2019/7/15</a:t>
             </a:fld>
             <a:endParaRPr lang="zh-TW" altLang="en-US"/>
           </a:p>
@@ -3213,7 +3482,7 @@
           <a:p>
             <a:fld id="{F102ED1F-2097-4DF5-9932-BD25E51F55A3}" type="datetimeFigureOut">
               <a:rPr lang="zh-TW" altLang="en-US" smtClean="0"/>
-              <a:t>2019/6/8</a:t>
+              <a:t>2019/7/15</a:t>
             </a:fld>
             <a:endParaRPr lang="zh-TW" altLang="en-US"/>
           </a:p>
@@ -3470,7 +3739,7 @@
           <a:p>
             <a:fld id="{F102ED1F-2097-4DF5-9932-BD25E51F55A3}" type="datetimeFigureOut">
               <a:rPr lang="zh-TW" altLang="en-US" smtClean="0"/>
-              <a:t>2019/6/8</a:t>
+              <a:t>2019/7/15</a:t>
             </a:fld>
             <a:endParaRPr lang="zh-TW" altLang="en-US"/>
           </a:p>
@@ -3683,7 +3952,7 @@
           <a:p>
             <a:fld id="{F102ED1F-2097-4DF5-9932-BD25E51F55A3}" type="datetimeFigureOut">
               <a:rPr lang="zh-TW" altLang="en-US" smtClean="0"/>
-              <a:t>2019/6/8</a:t>
+              <a:t>2019/7/15</a:t>
             </a:fld>
             <a:endParaRPr lang="zh-TW" altLang="en-US"/>
           </a:p>
@@ -5046,14 +5315,14 @@
           <a:effectLst/>
           <a:extLst>
             <a:ext uri="{909E8E84-426E-40dd-AFC4-6F175D3DCCD1}">
-              <a14:hiddenFill xmlns:a14="http://schemas.microsoft.com/office/drawing/2010/main" xmlns="">
+              <a14:hiddenFill xmlns="" xmlns:a14="http://schemas.microsoft.com/office/drawing/2010/main">
                 <a:solidFill>
                   <a:schemeClr val="accent1"/>
                 </a:solidFill>
               </a14:hiddenFill>
             </a:ext>
             <a:ext uri="{91240B29-F687-4f45-9708-019B960494DF}">
-              <a14:hiddenLine xmlns:a14="http://schemas.microsoft.com/office/drawing/2010/main" xmlns="" w="9525">
+              <a14:hiddenLine xmlns="" xmlns:a14="http://schemas.microsoft.com/office/drawing/2010/main" w="9525">
                 <a:solidFill>
                   <a:schemeClr val="tx1"/>
                 </a:solidFill>
@@ -5063,7 +5332,7 @@
               </a14:hiddenLine>
             </a:ext>
             <a:ext uri="{AF507438-7753-43e0-B8FC-AC1667EBCBE1}">
-              <a14:hiddenEffects xmlns:a14="http://schemas.microsoft.com/office/drawing/2010/main" xmlns="">
+              <a14:hiddenEffects xmlns="" xmlns:a14="http://schemas.microsoft.com/office/drawing/2010/main">
                 <a:effectLst>
                   <a:outerShdw dist="35921" dir="2700000" algn="ctr" rotWithShape="0">
                     <a:schemeClr val="bg2"/>
@@ -5221,14 +5490,14 @@
           <a:effectLst/>
           <a:extLst>
             <a:ext uri="{909E8E84-426E-40dd-AFC4-6F175D3DCCD1}">
-              <a14:hiddenFill xmlns:a14="http://schemas.microsoft.com/office/drawing/2010/main" xmlns="">
+              <a14:hiddenFill xmlns="" xmlns:a14="http://schemas.microsoft.com/office/drawing/2010/main">
                 <a:solidFill>
                   <a:schemeClr val="accent1"/>
                 </a:solidFill>
               </a14:hiddenFill>
             </a:ext>
             <a:ext uri="{91240B29-F687-4f45-9708-019B960494DF}">
-              <a14:hiddenLine xmlns:a14="http://schemas.microsoft.com/office/drawing/2010/main" xmlns="" w="9525">
+              <a14:hiddenLine xmlns="" xmlns:a14="http://schemas.microsoft.com/office/drawing/2010/main" w="9525">
                 <a:solidFill>
                   <a:schemeClr val="tx1"/>
                 </a:solidFill>
@@ -5238,7 +5507,7 @@
               </a14:hiddenLine>
             </a:ext>
             <a:ext uri="{AF507438-7753-43e0-B8FC-AC1667EBCBE1}">
-              <a14:hiddenEffects xmlns:a14="http://schemas.microsoft.com/office/drawing/2010/main" xmlns="">
+              <a14:hiddenEffects xmlns="" xmlns:a14="http://schemas.microsoft.com/office/drawing/2010/main">
                 <a:effectLst>
                   <a:outerShdw dist="35921" dir="2700000" algn="ctr" rotWithShape="0">
                     <a:schemeClr val="bg2"/>
@@ -5395,14 +5664,14 @@
           <a:effectLst/>
           <a:extLst>
             <a:ext uri="{909E8E84-426E-40dd-AFC4-6F175D3DCCD1}">
-              <a14:hiddenFill xmlns:a14="http://schemas.microsoft.com/office/drawing/2010/main" xmlns="">
+              <a14:hiddenFill xmlns="" xmlns:a14="http://schemas.microsoft.com/office/drawing/2010/main">
                 <a:solidFill>
                   <a:schemeClr val="accent1"/>
                 </a:solidFill>
               </a14:hiddenFill>
             </a:ext>
             <a:ext uri="{91240B29-F687-4f45-9708-019B960494DF}">
-              <a14:hiddenLine xmlns:a14="http://schemas.microsoft.com/office/drawing/2010/main" xmlns="" w="9525">
+              <a14:hiddenLine xmlns="" xmlns:a14="http://schemas.microsoft.com/office/drawing/2010/main" w="9525">
                 <a:solidFill>
                   <a:schemeClr val="tx1"/>
                 </a:solidFill>
@@ -5412,7 +5681,7 @@
               </a14:hiddenLine>
             </a:ext>
             <a:ext uri="{AF507438-7753-43e0-B8FC-AC1667EBCBE1}">
-              <a14:hiddenEffects xmlns:a14="http://schemas.microsoft.com/office/drawing/2010/main" xmlns="">
+              <a14:hiddenEffects xmlns="" xmlns:a14="http://schemas.microsoft.com/office/drawing/2010/main">
                 <a:effectLst>
                   <a:outerShdw dist="35921" dir="2700000" algn="ctr" rotWithShape="0">
                     <a:schemeClr val="bg2"/>
@@ -15924,7 +16193,7 @@
                 <a:avLst/>
               </a:prstGeom>
               <a:blipFill rotWithShape="0">
-                <a:blip r:embed="rId2"/>
+                <a:blip r:embed="rId3"/>
                 <a:stretch>
                   <a:fillRect l="-3876" b="-9901"/>
                 </a:stretch>
@@ -16061,7 +16330,7 @@
                 <a:avLst/>
               </a:prstGeom>
               <a:blipFill rotWithShape="0">
-                <a:blip r:embed="rId3"/>
+                <a:blip r:embed="rId4"/>
                 <a:stretch>
                   <a:fillRect/>
                 </a:stretch>
